--- a/GPD.pptx
+++ b/GPD.pptx
@@ -105,6 +105,11 @@
       </a:defRPr>
     </a:lvl9pPr>
   </p:defaultTextStyle>
+  <p:extLst>
+    <p:ext uri="{EFAFB233-063F-42B5-8137-9DF3F51BA10A}">
+      <p15:sldGuideLst xmlns:p15="http://schemas.microsoft.com/office/powerpoint/2012/main"/>
+    </p:ext>
+  </p:extLst>
 </p:presentation>
 </file>
 
@@ -150,10 +155,9 @@
           </a:lstStyle>
           <a:p>
             <a:r>
-              <a:rPr lang="pt-BR" smtClean="0"/>
+              <a:rPr lang="pt-BR"/>
               <a:t>Clique para editar o título mestre</a:t>
             </a:r>
-            <a:endParaRPr lang="pt-BR"/>
           </a:p>
         </p:txBody>
       </p:sp>
@@ -215,10 +219,9 @@
           </a:lstStyle>
           <a:p>
             <a:r>
-              <a:rPr lang="pt-BR" smtClean="0"/>
+              <a:rPr lang="pt-BR"/>
               <a:t>Clique para editar o estilo do subtítulo Mestre</a:t>
             </a:r>
-            <a:endParaRPr lang="pt-BR"/>
           </a:p>
         </p:txBody>
       </p:sp>
@@ -239,7 +242,7 @@
           <a:p>
             <a:fld id="{02564B27-F879-4176-9D69-A0AA517B9D53}" type="datetimeFigureOut">
               <a:rPr lang="pt-BR" smtClean="0"/>
-              <a:t>02/09/2019</a:t>
+              <a:t>03/09/2019</a:t>
             </a:fld>
             <a:endParaRPr lang="pt-BR"/>
           </a:p>
@@ -333,10 +336,9 @@
           <a:lstStyle/>
           <a:p>
             <a:r>
-              <a:rPr lang="pt-BR" smtClean="0"/>
+              <a:rPr lang="pt-BR"/>
               <a:t>Clique para editar o título mestre</a:t>
             </a:r>
-            <a:endParaRPr lang="pt-BR"/>
           </a:p>
         </p:txBody>
       </p:sp>
@@ -357,38 +359,37 @@
           <a:p>
             <a:pPr lvl="0"/>
             <a:r>
-              <a:rPr lang="pt-BR" smtClean="0"/>
+              <a:rPr lang="pt-BR"/>
               <a:t>Editar estilos de texto Mestre</a:t>
             </a:r>
           </a:p>
           <a:p>
             <a:pPr lvl="1"/>
             <a:r>
-              <a:rPr lang="pt-BR" smtClean="0"/>
+              <a:rPr lang="pt-BR"/>
               <a:t>Segundo nível</a:t>
             </a:r>
           </a:p>
           <a:p>
             <a:pPr lvl="2"/>
             <a:r>
-              <a:rPr lang="pt-BR" smtClean="0"/>
+              <a:rPr lang="pt-BR"/>
               <a:t>Terceiro nível</a:t>
             </a:r>
           </a:p>
           <a:p>
             <a:pPr lvl="3"/>
             <a:r>
-              <a:rPr lang="pt-BR" smtClean="0"/>
+              <a:rPr lang="pt-BR"/>
               <a:t>Quarto nível</a:t>
             </a:r>
           </a:p>
           <a:p>
             <a:pPr lvl="4"/>
             <a:r>
-              <a:rPr lang="pt-BR" smtClean="0"/>
+              <a:rPr lang="pt-BR"/>
               <a:t>Quinto nível</a:t>
             </a:r>
-            <a:endParaRPr lang="pt-BR"/>
           </a:p>
         </p:txBody>
       </p:sp>
@@ -409,7 +410,7 @@
           <a:p>
             <a:fld id="{02564B27-F879-4176-9D69-A0AA517B9D53}" type="datetimeFigureOut">
               <a:rPr lang="pt-BR" smtClean="0"/>
-              <a:t>02/09/2019</a:t>
+              <a:t>03/09/2019</a:t>
             </a:fld>
             <a:endParaRPr lang="pt-BR"/>
           </a:p>
@@ -508,10 +509,9 @@
           <a:lstStyle/>
           <a:p>
             <a:r>
-              <a:rPr lang="pt-BR" smtClean="0"/>
+              <a:rPr lang="pt-BR"/>
               <a:t>Clique para editar o título mestre</a:t>
             </a:r>
-            <a:endParaRPr lang="pt-BR"/>
           </a:p>
         </p:txBody>
       </p:sp>
@@ -537,38 +537,37 @@
           <a:p>
             <a:pPr lvl="0"/>
             <a:r>
-              <a:rPr lang="pt-BR" smtClean="0"/>
+              <a:rPr lang="pt-BR"/>
               <a:t>Editar estilos de texto Mestre</a:t>
             </a:r>
           </a:p>
           <a:p>
             <a:pPr lvl="1"/>
             <a:r>
-              <a:rPr lang="pt-BR" smtClean="0"/>
+              <a:rPr lang="pt-BR"/>
               <a:t>Segundo nível</a:t>
             </a:r>
           </a:p>
           <a:p>
             <a:pPr lvl="2"/>
             <a:r>
-              <a:rPr lang="pt-BR" smtClean="0"/>
+              <a:rPr lang="pt-BR"/>
               <a:t>Terceiro nível</a:t>
             </a:r>
           </a:p>
           <a:p>
             <a:pPr lvl="3"/>
             <a:r>
-              <a:rPr lang="pt-BR" smtClean="0"/>
+              <a:rPr lang="pt-BR"/>
               <a:t>Quarto nível</a:t>
             </a:r>
           </a:p>
           <a:p>
             <a:pPr lvl="4"/>
             <a:r>
-              <a:rPr lang="pt-BR" smtClean="0"/>
+              <a:rPr lang="pt-BR"/>
               <a:t>Quinto nível</a:t>
             </a:r>
-            <a:endParaRPr lang="pt-BR"/>
           </a:p>
         </p:txBody>
       </p:sp>
@@ -589,7 +588,7 @@
           <a:p>
             <a:fld id="{02564B27-F879-4176-9D69-A0AA517B9D53}" type="datetimeFigureOut">
               <a:rPr lang="pt-BR" smtClean="0"/>
-              <a:t>02/09/2019</a:t>
+              <a:t>03/09/2019</a:t>
             </a:fld>
             <a:endParaRPr lang="pt-BR"/>
           </a:p>
@@ -683,10 +682,9 @@
           <a:lstStyle/>
           <a:p>
             <a:r>
-              <a:rPr lang="pt-BR" smtClean="0"/>
+              <a:rPr lang="pt-BR"/>
               <a:t>Clique para editar o título mestre</a:t>
             </a:r>
-            <a:endParaRPr lang="pt-BR"/>
           </a:p>
         </p:txBody>
       </p:sp>
@@ -707,38 +705,37 @@
           <a:p>
             <a:pPr lvl="0"/>
             <a:r>
-              <a:rPr lang="pt-BR" smtClean="0"/>
+              <a:rPr lang="pt-BR"/>
               <a:t>Editar estilos de texto Mestre</a:t>
             </a:r>
           </a:p>
           <a:p>
             <a:pPr lvl="1"/>
             <a:r>
-              <a:rPr lang="pt-BR" smtClean="0"/>
+              <a:rPr lang="pt-BR"/>
               <a:t>Segundo nível</a:t>
             </a:r>
           </a:p>
           <a:p>
             <a:pPr lvl="2"/>
             <a:r>
-              <a:rPr lang="pt-BR" smtClean="0"/>
+              <a:rPr lang="pt-BR"/>
               <a:t>Terceiro nível</a:t>
             </a:r>
           </a:p>
           <a:p>
             <a:pPr lvl="3"/>
             <a:r>
-              <a:rPr lang="pt-BR" smtClean="0"/>
+              <a:rPr lang="pt-BR"/>
               <a:t>Quarto nível</a:t>
             </a:r>
           </a:p>
           <a:p>
             <a:pPr lvl="4"/>
             <a:r>
-              <a:rPr lang="pt-BR" smtClean="0"/>
+              <a:rPr lang="pt-BR"/>
               <a:t>Quinto nível</a:t>
             </a:r>
-            <a:endParaRPr lang="pt-BR"/>
           </a:p>
         </p:txBody>
       </p:sp>
@@ -759,7 +756,7 @@
           <a:p>
             <a:fld id="{02564B27-F879-4176-9D69-A0AA517B9D53}" type="datetimeFigureOut">
               <a:rPr lang="pt-BR" smtClean="0"/>
-              <a:t>02/09/2019</a:t>
+              <a:t>03/09/2019</a:t>
             </a:fld>
             <a:endParaRPr lang="pt-BR"/>
           </a:p>
@@ -862,10 +859,9 @@
           </a:lstStyle>
           <a:p>
             <a:r>
-              <a:rPr lang="pt-BR" smtClean="0"/>
+              <a:rPr lang="pt-BR"/>
               <a:t>Clique para editar o título mestre</a:t>
             </a:r>
-            <a:endParaRPr lang="pt-BR"/>
           </a:p>
         </p:txBody>
       </p:sp>
@@ -982,7 +978,7 @@
           <a:p>
             <a:pPr lvl="0"/>
             <a:r>
-              <a:rPr lang="pt-BR" smtClean="0"/>
+              <a:rPr lang="pt-BR"/>
               <a:t>Editar estilos de texto Mestre</a:t>
             </a:r>
           </a:p>
@@ -1005,7 +1001,7 @@
           <a:p>
             <a:fld id="{02564B27-F879-4176-9D69-A0AA517B9D53}" type="datetimeFigureOut">
               <a:rPr lang="pt-BR" smtClean="0"/>
-              <a:t>02/09/2019</a:t>
+              <a:t>03/09/2019</a:t>
             </a:fld>
             <a:endParaRPr lang="pt-BR"/>
           </a:p>
@@ -1099,10 +1095,9 @@
           <a:lstStyle/>
           <a:p>
             <a:r>
-              <a:rPr lang="pt-BR" smtClean="0"/>
+              <a:rPr lang="pt-BR"/>
               <a:t>Clique para editar o título mestre</a:t>
             </a:r>
-            <a:endParaRPr lang="pt-BR"/>
           </a:p>
         </p:txBody>
       </p:sp>
@@ -1128,38 +1123,37 @@
           <a:p>
             <a:pPr lvl="0"/>
             <a:r>
-              <a:rPr lang="pt-BR" smtClean="0"/>
+              <a:rPr lang="pt-BR"/>
               <a:t>Editar estilos de texto Mestre</a:t>
             </a:r>
           </a:p>
           <a:p>
             <a:pPr lvl="1"/>
             <a:r>
-              <a:rPr lang="pt-BR" smtClean="0"/>
+              <a:rPr lang="pt-BR"/>
               <a:t>Segundo nível</a:t>
             </a:r>
           </a:p>
           <a:p>
             <a:pPr lvl="2"/>
             <a:r>
-              <a:rPr lang="pt-BR" smtClean="0"/>
+              <a:rPr lang="pt-BR"/>
               <a:t>Terceiro nível</a:t>
             </a:r>
           </a:p>
           <a:p>
             <a:pPr lvl="3"/>
             <a:r>
-              <a:rPr lang="pt-BR" smtClean="0"/>
+              <a:rPr lang="pt-BR"/>
               <a:t>Quarto nível</a:t>
             </a:r>
           </a:p>
           <a:p>
             <a:pPr lvl="4"/>
             <a:r>
-              <a:rPr lang="pt-BR" smtClean="0"/>
+              <a:rPr lang="pt-BR"/>
               <a:t>Quinto nível</a:t>
             </a:r>
-            <a:endParaRPr lang="pt-BR"/>
           </a:p>
         </p:txBody>
       </p:sp>
@@ -1185,38 +1179,37 @@
           <a:p>
             <a:pPr lvl="0"/>
             <a:r>
-              <a:rPr lang="pt-BR" smtClean="0"/>
+              <a:rPr lang="pt-BR"/>
               <a:t>Editar estilos de texto Mestre</a:t>
             </a:r>
           </a:p>
           <a:p>
             <a:pPr lvl="1"/>
             <a:r>
-              <a:rPr lang="pt-BR" smtClean="0"/>
+              <a:rPr lang="pt-BR"/>
               <a:t>Segundo nível</a:t>
             </a:r>
           </a:p>
           <a:p>
             <a:pPr lvl="2"/>
             <a:r>
-              <a:rPr lang="pt-BR" smtClean="0"/>
+              <a:rPr lang="pt-BR"/>
               <a:t>Terceiro nível</a:t>
             </a:r>
           </a:p>
           <a:p>
             <a:pPr lvl="3"/>
             <a:r>
-              <a:rPr lang="pt-BR" smtClean="0"/>
+              <a:rPr lang="pt-BR"/>
               <a:t>Quarto nível</a:t>
             </a:r>
           </a:p>
           <a:p>
             <a:pPr lvl="4"/>
             <a:r>
-              <a:rPr lang="pt-BR" smtClean="0"/>
+              <a:rPr lang="pt-BR"/>
               <a:t>Quinto nível</a:t>
             </a:r>
-            <a:endParaRPr lang="pt-BR"/>
           </a:p>
         </p:txBody>
       </p:sp>
@@ -1237,7 +1230,7 @@
           <a:p>
             <a:fld id="{02564B27-F879-4176-9D69-A0AA517B9D53}" type="datetimeFigureOut">
               <a:rPr lang="pt-BR" smtClean="0"/>
-              <a:t>02/09/2019</a:t>
+              <a:t>03/09/2019</a:t>
             </a:fld>
             <a:endParaRPr lang="pt-BR"/>
           </a:p>
@@ -1336,10 +1329,9 @@
           <a:lstStyle/>
           <a:p>
             <a:r>
-              <a:rPr lang="pt-BR" smtClean="0"/>
+              <a:rPr lang="pt-BR"/>
               <a:t>Clique para editar o título mestre</a:t>
             </a:r>
-            <a:endParaRPr lang="pt-BR"/>
           </a:p>
         </p:txBody>
       </p:sp>
@@ -1402,7 +1394,7 @@
           <a:p>
             <a:pPr lvl="0"/>
             <a:r>
-              <a:rPr lang="pt-BR" smtClean="0"/>
+              <a:rPr lang="pt-BR"/>
               <a:t>Editar estilos de texto Mestre</a:t>
             </a:r>
           </a:p>
@@ -1430,38 +1422,37 @@
           <a:p>
             <a:pPr lvl="0"/>
             <a:r>
-              <a:rPr lang="pt-BR" smtClean="0"/>
+              <a:rPr lang="pt-BR"/>
               <a:t>Editar estilos de texto Mestre</a:t>
             </a:r>
           </a:p>
           <a:p>
             <a:pPr lvl="1"/>
             <a:r>
-              <a:rPr lang="pt-BR" smtClean="0"/>
+              <a:rPr lang="pt-BR"/>
               <a:t>Segundo nível</a:t>
             </a:r>
           </a:p>
           <a:p>
             <a:pPr lvl="2"/>
             <a:r>
-              <a:rPr lang="pt-BR" smtClean="0"/>
+              <a:rPr lang="pt-BR"/>
               <a:t>Terceiro nível</a:t>
             </a:r>
           </a:p>
           <a:p>
             <a:pPr lvl="3"/>
             <a:r>
-              <a:rPr lang="pt-BR" smtClean="0"/>
+              <a:rPr lang="pt-BR"/>
               <a:t>Quarto nível</a:t>
             </a:r>
           </a:p>
           <a:p>
             <a:pPr lvl="4"/>
             <a:r>
-              <a:rPr lang="pt-BR" smtClean="0"/>
+              <a:rPr lang="pt-BR"/>
               <a:t>Quinto nível</a:t>
             </a:r>
-            <a:endParaRPr lang="pt-BR"/>
           </a:p>
         </p:txBody>
       </p:sp>
@@ -1524,7 +1515,7 @@
           <a:p>
             <a:pPr lvl="0"/>
             <a:r>
-              <a:rPr lang="pt-BR" smtClean="0"/>
+              <a:rPr lang="pt-BR"/>
               <a:t>Editar estilos de texto Mestre</a:t>
             </a:r>
           </a:p>
@@ -1552,38 +1543,37 @@
           <a:p>
             <a:pPr lvl="0"/>
             <a:r>
-              <a:rPr lang="pt-BR" smtClean="0"/>
+              <a:rPr lang="pt-BR"/>
               <a:t>Editar estilos de texto Mestre</a:t>
             </a:r>
           </a:p>
           <a:p>
             <a:pPr lvl="1"/>
             <a:r>
-              <a:rPr lang="pt-BR" smtClean="0"/>
+              <a:rPr lang="pt-BR"/>
               <a:t>Segundo nível</a:t>
             </a:r>
           </a:p>
           <a:p>
             <a:pPr lvl="2"/>
             <a:r>
-              <a:rPr lang="pt-BR" smtClean="0"/>
+              <a:rPr lang="pt-BR"/>
               <a:t>Terceiro nível</a:t>
             </a:r>
           </a:p>
           <a:p>
             <a:pPr lvl="3"/>
             <a:r>
-              <a:rPr lang="pt-BR" smtClean="0"/>
+              <a:rPr lang="pt-BR"/>
               <a:t>Quarto nível</a:t>
             </a:r>
           </a:p>
           <a:p>
             <a:pPr lvl="4"/>
             <a:r>
-              <a:rPr lang="pt-BR" smtClean="0"/>
+              <a:rPr lang="pt-BR"/>
               <a:t>Quinto nível</a:t>
             </a:r>
-            <a:endParaRPr lang="pt-BR"/>
           </a:p>
         </p:txBody>
       </p:sp>
@@ -1604,7 +1594,7 @@
           <a:p>
             <a:fld id="{02564B27-F879-4176-9D69-A0AA517B9D53}" type="datetimeFigureOut">
               <a:rPr lang="pt-BR" smtClean="0"/>
-              <a:t>02/09/2019</a:t>
+              <a:t>03/09/2019</a:t>
             </a:fld>
             <a:endParaRPr lang="pt-BR"/>
           </a:p>
@@ -1698,10 +1688,9 @@
           <a:lstStyle/>
           <a:p>
             <a:r>
-              <a:rPr lang="pt-BR" smtClean="0"/>
+              <a:rPr lang="pt-BR"/>
               <a:t>Clique para editar o título mestre</a:t>
             </a:r>
-            <a:endParaRPr lang="pt-BR"/>
           </a:p>
         </p:txBody>
       </p:sp>
@@ -1722,7 +1711,7 @@
           <a:p>
             <a:fld id="{02564B27-F879-4176-9D69-A0AA517B9D53}" type="datetimeFigureOut">
               <a:rPr lang="pt-BR" smtClean="0"/>
-              <a:t>02/09/2019</a:t>
+              <a:t>03/09/2019</a:t>
             </a:fld>
             <a:endParaRPr lang="pt-BR"/>
           </a:p>
@@ -1817,7 +1806,7 @@
           <a:p>
             <a:fld id="{02564B27-F879-4176-9D69-A0AA517B9D53}" type="datetimeFigureOut">
               <a:rPr lang="pt-BR" smtClean="0"/>
-              <a:t>02/09/2019</a:t>
+              <a:t>03/09/2019</a:t>
             </a:fld>
             <a:endParaRPr lang="pt-BR"/>
           </a:p>
@@ -1920,10 +1909,9 @@
           </a:lstStyle>
           <a:p>
             <a:r>
-              <a:rPr lang="pt-BR" smtClean="0"/>
+              <a:rPr lang="pt-BR"/>
               <a:t>Clique para editar o título mestre</a:t>
             </a:r>
-            <a:endParaRPr lang="pt-BR"/>
           </a:p>
         </p:txBody>
       </p:sp>
@@ -1977,38 +1965,37 @@
           <a:p>
             <a:pPr lvl="0"/>
             <a:r>
-              <a:rPr lang="pt-BR" smtClean="0"/>
+              <a:rPr lang="pt-BR"/>
               <a:t>Editar estilos de texto Mestre</a:t>
             </a:r>
           </a:p>
           <a:p>
             <a:pPr lvl="1"/>
             <a:r>
-              <a:rPr lang="pt-BR" smtClean="0"/>
+              <a:rPr lang="pt-BR"/>
               <a:t>Segundo nível</a:t>
             </a:r>
           </a:p>
           <a:p>
             <a:pPr lvl="2"/>
             <a:r>
-              <a:rPr lang="pt-BR" smtClean="0"/>
+              <a:rPr lang="pt-BR"/>
               <a:t>Terceiro nível</a:t>
             </a:r>
           </a:p>
           <a:p>
             <a:pPr lvl="3"/>
             <a:r>
-              <a:rPr lang="pt-BR" smtClean="0"/>
+              <a:rPr lang="pt-BR"/>
               <a:t>Quarto nível</a:t>
             </a:r>
           </a:p>
           <a:p>
             <a:pPr lvl="4"/>
             <a:r>
-              <a:rPr lang="pt-BR" smtClean="0"/>
+              <a:rPr lang="pt-BR"/>
               <a:t>Quinto nível</a:t>
             </a:r>
-            <a:endParaRPr lang="pt-BR"/>
           </a:p>
         </p:txBody>
       </p:sp>
@@ -2071,7 +2058,7 @@
           <a:p>
             <a:pPr lvl="0"/>
             <a:r>
-              <a:rPr lang="pt-BR" smtClean="0"/>
+              <a:rPr lang="pt-BR"/>
               <a:t>Editar estilos de texto Mestre</a:t>
             </a:r>
           </a:p>
@@ -2094,7 +2081,7 @@
           <a:p>
             <a:fld id="{02564B27-F879-4176-9D69-A0AA517B9D53}" type="datetimeFigureOut">
               <a:rPr lang="pt-BR" smtClean="0"/>
-              <a:t>02/09/2019</a:t>
+              <a:t>03/09/2019</a:t>
             </a:fld>
             <a:endParaRPr lang="pt-BR"/>
           </a:p>
@@ -2197,10 +2184,9 @@
           </a:lstStyle>
           <a:p>
             <a:r>
-              <a:rPr lang="pt-BR" smtClean="0"/>
+              <a:rPr lang="pt-BR"/>
               <a:t>Clique para editar o título mestre</a:t>
             </a:r>
-            <a:endParaRPr lang="pt-BR"/>
           </a:p>
         </p:txBody>
       </p:sp>
@@ -2324,7 +2310,7 @@
           <a:p>
             <a:pPr lvl="0"/>
             <a:r>
-              <a:rPr lang="pt-BR" smtClean="0"/>
+              <a:rPr lang="pt-BR"/>
               <a:t>Editar estilos de texto Mestre</a:t>
             </a:r>
           </a:p>
@@ -2347,7 +2333,7 @@
           <a:p>
             <a:fld id="{02564B27-F879-4176-9D69-A0AA517B9D53}" type="datetimeFigureOut">
               <a:rPr lang="pt-BR" smtClean="0"/>
-              <a:t>02/09/2019</a:t>
+              <a:t>03/09/2019</a:t>
             </a:fld>
             <a:endParaRPr lang="pt-BR"/>
           </a:p>
@@ -2456,10 +2442,9 @@
           <a:lstStyle/>
           <a:p>
             <a:r>
-              <a:rPr lang="pt-BR" smtClean="0"/>
+              <a:rPr lang="pt-BR"/>
               <a:t>Clique para editar o título mestre</a:t>
             </a:r>
-            <a:endParaRPr lang="pt-BR"/>
           </a:p>
         </p:txBody>
       </p:sp>
@@ -2490,38 +2475,37 @@
           <a:p>
             <a:pPr lvl="0"/>
             <a:r>
-              <a:rPr lang="pt-BR" smtClean="0"/>
+              <a:rPr lang="pt-BR"/>
               <a:t>Editar estilos de texto Mestre</a:t>
             </a:r>
           </a:p>
           <a:p>
             <a:pPr lvl="1"/>
             <a:r>
-              <a:rPr lang="pt-BR" smtClean="0"/>
+              <a:rPr lang="pt-BR"/>
               <a:t>Segundo nível</a:t>
             </a:r>
           </a:p>
           <a:p>
             <a:pPr lvl="2"/>
             <a:r>
-              <a:rPr lang="pt-BR" smtClean="0"/>
+              <a:rPr lang="pt-BR"/>
               <a:t>Terceiro nível</a:t>
             </a:r>
           </a:p>
           <a:p>
             <a:pPr lvl="3"/>
             <a:r>
-              <a:rPr lang="pt-BR" smtClean="0"/>
+              <a:rPr lang="pt-BR"/>
               <a:t>Quarto nível</a:t>
             </a:r>
           </a:p>
           <a:p>
             <a:pPr lvl="4"/>
             <a:r>
-              <a:rPr lang="pt-BR" smtClean="0"/>
+              <a:rPr lang="pt-BR"/>
               <a:t>Quinto nível</a:t>
             </a:r>
-            <a:endParaRPr lang="pt-BR"/>
           </a:p>
         </p:txBody>
       </p:sp>
@@ -2560,7 +2544,7 @@
           <a:p>
             <a:fld id="{02564B27-F879-4176-9D69-A0AA517B9D53}" type="datetimeFigureOut">
               <a:rPr lang="pt-BR" smtClean="0"/>
-              <a:t>02/09/2019</a:t>
+              <a:t>03/09/2019</a:t>
             </a:fld>
             <a:endParaRPr lang="pt-BR"/>
           </a:p>
@@ -3338,13 +3322,15 @@
       <p:cxnSp>
         <p:nvCxnSpPr>
           <p:cNvPr id="26" name="Conector reto 25"/>
-          <p:cNvCxnSpPr/>
+          <p:cNvCxnSpPr>
+            <a:cxnSpLocks/>
+          </p:cNvCxnSpPr>
           <p:nvPr/>
         </p:nvCxnSpPr>
         <p:spPr>
           <a:xfrm>
-            <a:off x="923832" y="1757494"/>
-            <a:ext cx="9744168" cy="0"/>
+            <a:off x="724549" y="1757494"/>
+            <a:ext cx="9943451" cy="0"/>
           </a:xfrm>
           <a:prstGeom prst="line">
             <a:avLst/>
@@ -3423,18 +3409,13 @@
           <a:lstStyle/>
           <a:p>
             <a:r>
-              <a:rPr lang="pt-BR" dirty="0" smtClean="0">
+              <a:rPr lang="pt-BR" dirty="0">
                 <a:solidFill>
                   <a:schemeClr val="bg1"/>
                 </a:solidFill>
               </a:rPr>
               <a:t>Letras Capitais do Livro na Gaveta</a:t>
             </a:r>
-            <a:endParaRPr lang="pt-BR" dirty="0">
-              <a:solidFill>
-                <a:schemeClr val="bg1"/>
-              </a:solidFill>
-            </a:endParaRPr>
           </a:p>
         </p:txBody>
       </p:sp>
@@ -3510,18 +3491,13 @@
           <a:p>
             <a:pPr algn="ctr"/>
             <a:r>
-              <a:rPr lang="pt-BR" sz="1100" dirty="0" smtClean="0">
+              <a:rPr lang="pt-BR" sz="1100" dirty="0">
                 <a:solidFill>
                   <a:schemeClr val="bg1"/>
                 </a:solidFill>
               </a:rPr>
               <a:t>Salão Principal</a:t>
             </a:r>
-            <a:endParaRPr lang="pt-BR" sz="1100" dirty="0">
-              <a:solidFill>
-                <a:schemeClr val="bg1"/>
-              </a:solidFill>
-            </a:endParaRPr>
           </a:p>
         </p:txBody>
       </p:sp>
@@ -3597,7 +3573,7 @@
           <a:p>
             <a:pPr algn="ctr"/>
             <a:r>
-              <a:rPr lang="pt-BR" sz="1100" dirty="0" smtClean="0">
+              <a:rPr lang="pt-BR" sz="1100" dirty="0">
                 <a:solidFill>
                   <a:schemeClr val="bg1"/>
                 </a:solidFill>
@@ -3687,18 +3663,13 @@
           <a:p>
             <a:pPr algn="ctr"/>
             <a:r>
-              <a:rPr lang="pt-BR" sz="1100" dirty="0" smtClean="0">
+              <a:rPr lang="pt-BR" sz="1100" dirty="0">
                 <a:solidFill>
                   <a:schemeClr val="bg1"/>
                 </a:solidFill>
               </a:rPr>
               <a:t>Sala Ciência</a:t>
             </a:r>
-            <a:endParaRPr lang="pt-BR" sz="1100" dirty="0">
-              <a:solidFill>
-                <a:schemeClr val="bg1"/>
-              </a:solidFill>
-            </a:endParaRPr>
           </a:p>
         </p:txBody>
       </p:sp>
@@ -3774,18 +3745,13 @@
           <a:p>
             <a:pPr algn="ctr"/>
             <a:r>
-              <a:rPr lang="pt-BR" sz="1100" dirty="0" smtClean="0">
+              <a:rPr lang="pt-BR" sz="1100" dirty="0">
                 <a:solidFill>
                   <a:schemeClr val="bg1"/>
                 </a:solidFill>
               </a:rPr>
               <a:t>Sala  Informática</a:t>
             </a:r>
-            <a:endParaRPr lang="pt-BR" sz="1100" dirty="0">
-              <a:solidFill>
-                <a:schemeClr val="bg1"/>
-              </a:solidFill>
-            </a:endParaRPr>
           </a:p>
         </p:txBody>
       </p:sp>
@@ -3861,21 +3827,231 @@
           <a:p>
             <a:pPr algn="ctr"/>
             <a:r>
-              <a:rPr lang="pt-BR" sz="1100" dirty="0" smtClean="0">
+              <a:rPr lang="pt-BR" sz="1100" dirty="0">
                 <a:solidFill>
                   <a:schemeClr val="bg1"/>
                 </a:solidFill>
               </a:rPr>
               <a:t>Sala  História</a:t>
             </a:r>
-            <a:endParaRPr lang="pt-BR" sz="1100" dirty="0">
-              <a:solidFill>
-                <a:schemeClr val="bg1"/>
-              </a:solidFill>
-            </a:endParaRPr>
-          </a:p>
-        </p:txBody>
-      </p:sp>
+          </a:p>
+        </p:txBody>
+      </p:sp>
+      <p:cxnSp>
+        <p:nvCxnSpPr>
+          <p:cNvPr id="27" name="Conector reto 26">
+            <a:extLst>
+              <a:ext uri="{FF2B5EF4-FFF2-40B4-BE49-F238E27FC236}">
+                <a16:creationId xmlns:a16="http://schemas.microsoft.com/office/drawing/2014/main" id="{71D03BDE-488D-468B-87EC-4E011156A956}"/>
+              </a:ext>
+            </a:extLst>
+          </p:cNvPr>
+          <p:cNvCxnSpPr>
+            <a:cxnSpLocks/>
+          </p:cNvCxnSpPr>
+          <p:nvPr/>
+        </p:nvCxnSpPr>
+        <p:spPr>
+          <a:xfrm flipH="1">
+            <a:off x="716528" y="1749778"/>
+            <a:ext cx="1" cy="581942"/>
+          </a:xfrm>
+          <a:prstGeom prst="line">
+            <a:avLst/>
+          </a:prstGeom>
+          <a:ln w="19050">
+            <a:solidFill>
+              <a:schemeClr val="bg1"/>
+            </a:solidFill>
+          </a:ln>
+        </p:spPr>
+        <p:style>
+          <a:lnRef idx="1">
+            <a:schemeClr val="accent1"/>
+          </a:lnRef>
+          <a:fillRef idx="0">
+            <a:schemeClr val="accent1"/>
+          </a:fillRef>
+          <a:effectRef idx="0">
+            <a:schemeClr val="accent1"/>
+          </a:effectRef>
+          <a:fontRef idx="minor">
+            <a:schemeClr val="tx1"/>
+          </a:fontRef>
+        </p:style>
+      </p:cxnSp>
+      <p:cxnSp>
+        <p:nvCxnSpPr>
+          <p:cNvPr id="28" name="Conector reto 27">
+            <a:extLst>
+              <a:ext uri="{FF2B5EF4-FFF2-40B4-BE49-F238E27FC236}">
+                <a16:creationId xmlns:a16="http://schemas.microsoft.com/office/drawing/2014/main" id="{4FBAA876-2A14-461D-908E-84F02D87F124}"/>
+              </a:ext>
+            </a:extLst>
+          </p:cNvPr>
+          <p:cNvCxnSpPr>
+            <a:cxnSpLocks/>
+          </p:cNvCxnSpPr>
+          <p:nvPr/>
+        </p:nvCxnSpPr>
+        <p:spPr>
+          <a:xfrm flipH="1">
+            <a:off x="2673129" y="1757494"/>
+            <a:ext cx="1" cy="574226"/>
+          </a:xfrm>
+          <a:prstGeom prst="line">
+            <a:avLst/>
+          </a:prstGeom>
+          <a:ln w="19050">
+            <a:solidFill>
+              <a:schemeClr val="bg1"/>
+            </a:solidFill>
+          </a:ln>
+        </p:spPr>
+        <p:style>
+          <a:lnRef idx="1">
+            <a:schemeClr val="accent1"/>
+          </a:lnRef>
+          <a:fillRef idx="0">
+            <a:schemeClr val="accent1"/>
+          </a:fillRef>
+          <a:effectRef idx="0">
+            <a:schemeClr val="accent1"/>
+          </a:effectRef>
+          <a:fontRef idx="minor">
+            <a:schemeClr val="tx1"/>
+          </a:fontRef>
+        </p:style>
+      </p:cxnSp>
+      <p:cxnSp>
+        <p:nvCxnSpPr>
+          <p:cNvPr id="31" name="Conector reto 30">
+            <a:extLst>
+              <a:ext uri="{FF2B5EF4-FFF2-40B4-BE49-F238E27FC236}">
+                <a16:creationId xmlns:a16="http://schemas.microsoft.com/office/drawing/2014/main" id="{DB5F4936-8185-4009-AB75-27DEBE9BA7FA}"/>
+              </a:ext>
+            </a:extLst>
+          </p:cNvPr>
+          <p:cNvCxnSpPr>
+            <a:cxnSpLocks/>
+          </p:cNvCxnSpPr>
+          <p:nvPr/>
+        </p:nvCxnSpPr>
+        <p:spPr>
+          <a:xfrm flipH="1">
+            <a:off x="4921533" y="1750497"/>
+            <a:ext cx="1" cy="574226"/>
+          </a:xfrm>
+          <a:prstGeom prst="line">
+            <a:avLst/>
+          </a:prstGeom>
+          <a:ln w="19050">
+            <a:solidFill>
+              <a:schemeClr val="bg1"/>
+            </a:solidFill>
+          </a:ln>
+        </p:spPr>
+        <p:style>
+          <a:lnRef idx="1">
+            <a:schemeClr val="accent1"/>
+          </a:lnRef>
+          <a:fillRef idx="0">
+            <a:schemeClr val="accent1"/>
+          </a:fillRef>
+          <a:effectRef idx="0">
+            <a:schemeClr val="accent1"/>
+          </a:effectRef>
+          <a:fontRef idx="minor">
+            <a:schemeClr val="tx1"/>
+          </a:fontRef>
+        </p:style>
+      </p:cxnSp>
+      <p:cxnSp>
+        <p:nvCxnSpPr>
+          <p:cNvPr id="34" name="Conector reto 33">
+            <a:extLst>
+              <a:ext uri="{FF2B5EF4-FFF2-40B4-BE49-F238E27FC236}">
+                <a16:creationId xmlns:a16="http://schemas.microsoft.com/office/drawing/2014/main" id="{C56B0DE1-3B2D-4127-B087-F3E3A5F0DB92}"/>
+              </a:ext>
+            </a:extLst>
+          </p:cNvPr>
+          <p:cNvCxnSpPr>
+            <a:cxnSpLocks/>
+          </p:cNvCxnSpPr>
+          <p:nvPr/>
+        </p:nvCxnSpPr>
+        <p:spPr>
+          <a:xfrm flipH="1">
+            <a:off x="6972595" y="1773564"/>
+            <a:ext cx="1" cy="574226"/>
+          </a:xfrm>
+          <a:prstGeom prst="line">
+            <a:avLst/>
+          </a:prstGeom>
+          <a:ln w="19050">
+            <a:solidFill>
+              <a:schemeClr val="bg1"/>
+            </a:solidFill>
+          </a:ln>
+        </p:spPr>
+        <p:style>
+          <a:lnRef idx="1">
+            <a:schemeClr val="accent1"/>
+          </a:lnRef>
+          <a:fillRef idx="0">
+            <a:schemeClr val="accent1"/>
+          </a:fillRef>
+          <a:effectRef idx="0">
+            <a:schemeClr val="accent1"/>
+          </a:effectRef>
+          <a:fontRef idx="minor">
+            <a:schemeClr val="tx1"/>
+          </a:fontRef>
+        </p:style>
+      </p:cxnSp>
+      <p:cxnSp>
+        <p:nvCxnSpPr>
+          <p:cNvPr id="35" name="Conector reto 34">
+            <a:extLst>
+              <a:ext uri="{FF2B5EF4-FFF2-40B4-BE49-F238E27FC236}">
+                <a16:creationId xmlns:a16="http://schemas.microsoft.com/office/drawing/2014/main" id="{A396D3B9-DC28-4DCC-AF07-87157C239B65}"/>
+              </a:ext>
+            </a:extLst>
+          </p:cNvPr>
+          <p:cNvCxnSpPr>
+            <a:cxnSpLocks/>
+          </p:cNvCxnSpPr>
+          <p:nvPr/>
+        </p:nvCxnSpPr>
+        <p:spPr>
+          <a:xfrm flipH="1">
+            <a:off x="9057304" y="1749778"/>
+            <a:ext cx="1" cy="574226"/>
+          </a:xfrm>
+          <a:prstGeom prst="line">
+            <a:avLst/>
+          </a:prstGeom>
+          <a:ln w="19050">
+            <a:solidFill>
+              <a:schemeClr val="bg1"/>
+            </a:solidFill>
+          </a:ln>
+        </p:spPr>
+        <p:style>
+          <a:lnRef idx="1">
+            <a:schemeClr val="accent1"/>
+          </a:lnRef>
+          <a:fillRef idx="0">
+            <a:schemeClr val="accent1"/>
+          </a:fillRef>
+          <a:effectRef idx="0">
+            <a:schemeClr val="accent1"/>
+          </a:effectRef>
+          <a:fontRef idx="minor">
+            <a:schemeClr val="tx1"/>
+          </a:fontRef>
+        </p:style>
+      </p:cxnSp>
     </p:spTree>
     <p:extLst>
       <p:ext uri="{BB962C8B-B14F-4D97-AF65-F5344CB8AC3E}">
